--- a/programming-experiments/slides/01_ProgrammingExperiment.pptx
+++ b/programming-experiments/slides/01_ProgrammingExperiment.pptx
@@ -228,7 +228,7 @@
           <a:p>
             <a:fld id="{E741D560-B0C3-EC4E-8F83-FFD03185AA94}" type="datetimeFigureOut">
               <a:rPr lang="en-US" smtClean="0"/>
-              <a:t>4/14/25</a:t>
+              <a:t>7/24/25</a:t>
             </a:fld>
             <a:endParaRPr lang="en-US"/>
           </a:p>
